--- a/Practice/P41142/Онтология финансовывх инструментов.pptx
+++ b/Practice/P41142/Онтология финансовывх инструментов.pptx
@@ -11,6 +11,8 @@
     <p:sldId id="259" r:id="rId5"/>
     <p:sldId id="260" r:id="rId6"/>
     <p:sldId id="261" r:id="rId7"/>
+    <p:sldId id="263" r:id="rId8"/>
+    <p:sldId id="262" r:id="rId9"/>
   </p:sldIdLst>
   <p:sldSz cx="12192000" cy="6858000"/>
   <p:notesSz cx="6858000" cy="9144000"/>
@@ -452,7 +454,7 @@
           <a:p>
             <a:fld id="{6D56AB0A-9364-CA4D-A03C-96B9A5B09111}" type="datetimeFigureOut">
               <a:rPr lang="ru-RU" smtClean="0"/>
-              <a:t>09.04.2021</a:t>
+              <a:t>12.04.2021</a:t>
             </a:fld>
             <a:endParaRPr lang="ru-RU"/>
           </a:p>
@@ -1540,7 +1542,7 @@
           <a:p>
             <a:fld id="{6D56AB0A-9364-CA4D-A03C-96B9A5B09111}" type="datetimeFigureOut">
               <a:rPr lang="ru-RU" smtClean="0"/>
-              <a:t>09.04.2021</a:t>
+              <a:t>12.04.2021</a:t>
             </a:fld>
             <a:endParaRPr lang="ru-RU"/>
           </a:p>
@@ -2520,7 +2522,7 @@
           <a:p>
             <a:fld id="{6D56AB0A-9364-CA4D-A03C-96B9A5B09111}" type="datetimeFigureOut">
               <a:rPr lang="ru-RU" smtClean="0"/>
-              <a:t>09.04.2021</a:t>
+              <a:t>12.04.2021</a:t>
             </a:fld>
             <a:endParaRPr lang="ru-RU"/>
           </a:p>
@@ -3654,7 +3656,7 @@
           <a:p>
             <a:fld id="{6D56AB0A-9364-CA4D-A03C-96B9A5B09111}" type="datetimeFigureOut">
               <a:rPr lang="ru-RU" smtClean="0"/>
-              <a:t>09.04.2021</a:t>
+              <a:t>12.04.2021</a:t>
             </a:fld>
             <a:endParaRPr lang="ru-RU"/>
           </a:p>
@@ -4687,7 +4689,7 @@
           <a:p>
             <a:fld id="{6D56AB0A-9364-CA4D-A03C-96B9A5B09111}" type="datetimeFigureOut">
               <a:rPr lang="ru-RU" smtClean="0"/>
-              <a:t>09.04.2021</a:t>
+              <a:t>12.04.2021</a:t>
             </a:fld>
             <a:endParaRPr lang="ru-RU"/>
           </a:p>
@@ -5347,7 +5349,7 @@
           <a:p>
             <a:fld id="{6D56AB0A-9364-CA4D-A03C-96B9A5B09111}" type="datetimeFigureOut">
               <a:rPr lang="ru-RU" smtClean="0"/>
-              <a:t>09.04.2021</a:t>
+              <a:t>12.04.2021</a:t>
             </a:fld>
             <a:endParaRPr lang="ru-RU"/>
           </a:p>
@@ -6208,7 +6210,7 @@
           <a:p>
             <a:fld id="{6D56AB0A-9364-CA4D-A03C-96B9A5B09111}" type="datetimeFigureOut">
               <a:rPr lang="ru-RU" smtClean="0"/>
-              <a:t>09.04.2021</a:t>
+              <a:t>12.04.2021</a:t>
             </a:fld>
             <a:endParaRPr lang="ru-RU"/>
           </a:p>
@@ -6398,7 +6400,7 @@
           <a:p>
             <a:fld id="{6D56AB0A-9364-CA4D-A03C-96B9A5B09111}" type="datetimeFigureOut">
               <a:rPr lang="ru-RU" smtClean="0"/>
-              <a:t>09.04.2021</a:t>
+              <a:t>12.04.2021</a:t>
             </a:fld>
             <a:endParaRPr lang="ru-RU"/>
           </a:p>
@@ -7370,7 +7372,7 @@
           <a:p>
             <a:fld id="{6D56AB0A-9364-CA4D-A03C-96B9A5B09111}" type="datetimeFigureOut">
               <a:rPr lang="ru-RU" smtClean="0"/>
-              <a:t>09.04.2021</a:t>
+              <a:t>12.04.2021</a:t>
             </a:fld>
             <a:endParaRPr lang="ru-RU"/>
           </a:p>
@@ -7581,7 +7583,7 @@
           <a:p>
             <a:fld id="{6D56AB0A-9364-CA4D-A03C-96B9A5B09111}" type="datetimeFigureOut">
               <a:rPr lang="ru-RU" smtClean="0"/>
-              <a:t>09.04.2021</a:t>
+              <a:t>12.04.2021</a:t>
             </a:fld>
             <a:endParaRPr lang="ru-RU"/>
           </a:p>
@@ -8615,7 +8617,7 @@
           <a:p>
             <a:fld id="{6D56AB0A-9364-CA4D-A03C-96B9A5B09111}" type="datetimeFigureOut">
               <a:rPr lang="ru-RU" smtClean="0"/>
-              <a:t>09.04.2021</a:t>
+              <a:t>12.04.2021</a:t>
             </a:fld>
             <a:endParaRPr lang="ru-RU"/>
           </a:p>
@@ -8887,7 +8889,7 @@
           <a:p>
             <a:fld id="{6D56AB0A-9364-CA4D-A03C-96B9A5B09111}" type="datetimeFigureOut">
               <a:rPr lang="ru-RU" smtClean="0"/>
-              <a:t>09.04.2021</a:t>
+              <a:t>12.04.2021</a:t>
             </a:fld>
             <a:endParaRPr lang="ru-RU"/>
           </a:p>
@@ -9297,7 +9299,7 @@
           <a:p>
             <a:fld id="{6D56AB0A-9364-CA4D-A03C-96B9A5B09111}" type="datetimeFigureOut">
               <a:rPr lang="ru-RU" smtClean="0"/>
-              <a:t>09.04.2021</a:t>
+              <a:t>12.04.2021</a:t>
             </a:fld>
             <a:endParaRPr lang="ru-RU"/>
           </a:p>
@@ -9424,7 +9426,7 @@
           <a:p>
             <a:fld id="{6D56AB0A-9364-CA4D-A03C-96B9A5B09111}" type="datetimeFigureOut">
               <a:rPr lang="ru-RU" smtClean="0"/>
-              <a:t>09.04.2021</a:t>
+              <a:t>12.04.2021</a:t>
             </a:fld>
             <a:endParaRPr lang="ru-RU"/>
           </a:p>
@@ -9519,7 +9521,7 @@
           <a:p>
             <a:fld id="{6D56AB0A-9364-CA4D-A03C-96B9A5B09111}" type="datetimeFigureOut">
               <a:rPr lang="ru-RU" smtClean="0"/>
-              <a:t>09.04.2021</a:t>
+              <a:t>12.04.2021</a:t>
             </a:fld>
             <a:endParaRPr lang="ru-RU"/>
           </a:p>
@@ -10600,7 +10602,7 @@
           <a:p>
             <a:fld id="{6D56AB0A-9364-CA4D-A03C-96B9A5B09111}" type="datetimeFigureOut">
               <a:rPr lang="ru-RU" smtClean="0"/>
-              <a:t>09.04.2021</a:t>
+              <a:t>12.04.2021</a:t>
             </a:fld>
             <a:endParaRPr lang="ru-RU"/>
           </a:p>
@@ -11708,7 +11710,7 @@
           <a:p>
             <a:fld id="{6D56AB0A-9364-CA4D-A03C-96B9A5B09111}" type="datetimeFigureOut">
               <a:rPr lang="ru-RU" smtClean="0"/>
-              <a:t>09.04.2021</a:t>
+              <a:t>12.04.2021</a:t>
             </a:fld>
             <a:endParaRPr lang="ru-RU"/>
           </a:p>
@@ -12705,7 +12707,7 @@
           <a:p>
             <a:fld id="{6D56AB0A-9364-CA4D-A03C-96B9A5B09111}" type="datetimeFigureOut">
               <a:rPr lang="ru-RU" smtClean="0"/>
-              <a:t>09.04.2021</a:t>
+              <a:t>12.04.2021</a:t>
             </a:fld>
             <a:endParaRPr lang="ru-RU"/>
           </a:p>
@@ -14191,15 +14193,7 @@
             </a:pPr>
             <a:r>
               <a:rPr lang="ru-RU" dirty="0"/>
-              <a:t>Основным источником данных будет база Московской биржи и </a:t>
-            </a:r>
-            <a:r>
-              <a:rPr lang="en-US" dirty="0"/>
-              <a:t>Nasdaq</a:t>
-            </a:r>
-            <a:r>
-              <a:rPr lang="ru-RU" dirty="0"/>
-              <a:t>.</a:t>
+              <a:t>Основным источником данных будет база Московской биржи и Санкт-Петербургская биржа.</a:t>
             </a:r>
           </a:p>
           <a:p>
@@ -14209,10 +14203,10 @@
       </p:sp>
       <p:pic>
         <p:nvPicPr>
-          <p:cNvPr id="2052" name="Picture 4" descr="Криптобиржа Diginex прошла листинг на NASDAQ |">
+          <p:cNvPr id="2054" name="Picture 6" descr="Форум акции Московская биржа (MOEX)">
             <a:extLst>
               <a:ext uri="{FF2B5EF4-FFF2-40B4-BE49-F238E27FC236}">
-                <a16:creationId xmlns:a16="http://schemas.microsoft.com/office/drawing/2014/main" id="{C1AE13B3-76F0-9345-950D-84B25D1A8AF3}"/>
+                <a16:creationId xmlns:a16="http://schemas.microsoft.com/office/drawing/2014/main" id="{CBDA83D6-3B54-D04A-8C95-B22877E91F7A}"/>
               </a:ext>
             </a:extLst>
           </p:cNvPr>
@@ -14236,8 +14230,8 @@
         </p:blipFill>
         <p:spPr bwMode="auto">
           <a:xfrm>
-            <a:off x="1154954" y="3225113"/>
-            <a:ext cx="4893276" cy="3262184"/>
+            <a:off x="2404076" y="3344332"/>
+            <a:ext cx="2540000" cy="2540000"/>
           </a:xfrm>
           <a:prstGeom prst="rect">
             <a:avLst/>
@@ -14256,10 +14250,10 @@
       </p:pic>
       <p:pic>
         <p:nvPicPr>
-          <p:cNvPr id="2054" name="Picture 6" descr="Форум акции Московская биржа (MOEX)">
+          <p:cNvPr id="1026" name="Picture 2" descr="ПАО Санкт-Петербургская биржа">
             <a:extLst>
               <a:ext uri="{FF2B5EF4-FFF2-40B4-BE49-F238E27FC236}">
-                <a16:creationId xmlns:a16="http://schemas.microsoft.com/office/drawing/2014/main" id="{CBDA83D6-3B54-D04A-8C95-B22877E91F7A}"/>
+                <a16:creationId xmlns:a16="http://schemas.microsoft.com/office/drawing/2014/main" id="{55C9674F-1804-274C-A905-EF005EEC2CD5}"/>
               </a:ext>
             </a:extLst>
           </p:cNvPr>
@@ -14283,8 +14277,8 @@
         </p:blipFill>
         <p:spPr bwMode="auto">
           <a:xfrm>
-            <a:off x="7890476" y="3713549"/>
-            <a:ext cx="2540000" cy="2540000"/>
+            <a:off x="5409617" y="2661964"/>
+            <a:ext cx="5228006" cy="3904735"/>
           </a:xfrm>
           <a:prstGeom prst="rect">
             <a:avLst/>
@@ -14305,6 +14299,208 @@
     <p:extLst>
       <p:ext uri="{BB962C8B-B14F-4D97-AF65-F5344CB8AC3E}">
         <p14:creationId xmlns:p14="http://schemas.microsoft.com/office/powerpoint/2010/main" val="2606753795"/>
+      </p:ext>
+    </p:extLst>
+  </p:cSld>
+  <p:clrMapOvr>
+    <a:masterClrMapping/>
+  </p:clrMapOvr>
+</p:sld>
+</file>
+
+<file path=ppt/slides/slide7.xml><?xml version="1.0" encoding="utf-8"?>
+<p:sld xmlns:a="http://schemas.openxmlformats.org/drawingml/2006/main" xmlns:r="http://schemas.openxmlformats.org/officeDocument/2006/relationships" xmlns:p="http://schemas.openxmlformats.org/presentationml/2006/main">
+  <p:cSld>
+    <p:spTree>
+      <p:nvGrpSpPr>
+        <p:cNvPr id="1" name=""/>
+        <p:cNvGrpSpPr/>
+        <p:nvPr/>
+      </p:nvGrpSpPr>
+      <p:grpSpPr>
+        <a:xfrm>
+          <a:off x="0" y="0"/>
+          <a:ext cx="0" cy="0"/>
+          <a:chOff x="0" y="0"/>
+          <a:chExt cx="0" cy="0"/>
+        </a:xfrm>
+      </p:grpSpPr>
+      <p:sp>
+        <p:nvSpPr>
+          <p:cNvPr id="2" name="Заголовок 1">
+            <a:extLst>
+              <a:ext uri="{FF2B5EF4-FFF2-40B4-BE49-F238E27FC236}">
+                <a16:creationId xmlns:a16="http://schemas.microsoft.com/office/drawing/2014/main" id="{037792E2-E208-0149-9E67-80C3D8A3F9F7}"/>
+              </a:ext>
+            </a:extLst>
+          </p:cNvPr>
+          <p:cNvSpPr>
+            <a:spLocks noGrp="1"/>
+          </p:cNvSpPr>
+          <p:nvPr>
+            <p:ph type="title"/>
+          </p:nvPr>
+        </p:nvSpPr>
+        <p:spPr/>
+        <p:txBody>
+          <a:bodyPr/>
+          <a:lstStyle/>
+          <a:p>
+            <a:r>
+              <a:rPr lang="en-US" dirty="0"/>
+              <a:t>Protege</a:t>
+            </a:r>
+            <a:endParaRPr lang="ru-RU" dirty="0"/>
+          </a:p>
+        </p:txBody>
+      </p:sp>
+      <p:pic>
+        <p:nvPicPr>
+          <p:cNvPr id="4" name="Рисунок 3">
+            <a:extLst>
+              <a:ext uri="{FF2B5EF4-FFF2-40B4-BE49-F238E27FC236}">
+                <a16:creationId xmlns:a16="http://schemas.microsoft.com/office/drawing/2014/main" id="{213C1A81-2337-D846-A41E-26ECBCF2C457}"/>
+              </a:ext>
+            </a:extLst>
+          </p:cNvPr>
+          <p:cNvPicPr>
+            <a:picLocks noChangeAspect="1"/>
+          </p:cNvPicPr>
+          <p:nvPr/>
+        </p:nvPicPr>
+        <p:blipFill>
+          <a:blip r:embed="rId2"/>
+          <a:stretch>
+            <a:fillRect/>
+          </a:stretch>
+        </p:blipFill>
+        <p:spPr>
+          <a:xfrm>
+            <a:off x="1041400" y="2136689"/>
+            <a:ext cx="10109200" cy="4610100"/>
+          </a:xfrm>
+          <a:prstGeom prst="rect">
+            <a:avLst/>
+          </a:prstGeom>
+        </p:spPr>
+      </p:pic>
+    </p:spTree>
+    <p:extLst>
+      <p:ext uri="{BB962C8B-B14F-4D97-AF65-F5344CB8AC3E}">
+        <p14:creationId xmlns:p14="http://schemas.microsoft.com/office/powerpoint/2010/main" val="2156782443"/>
+      </p:ext>
+    </p:extLst>
+  </p:cSld>
+  <p:clrMapOvr>
+    <a:masterClrMapping/>
+  </p:clrMapOvr>
+</p:sld>
+</file>
+
+<file path=ppt/slides/slide8.xml><?xml version="1.0" encoding="utf-8"?>
+<p:sld xmlns:a="http://schemas.openxmlformats.org/drawingml/2006/main" xmlns:r="http://schemas.openxmlformats.org/officeDocument/2006/relationships" xmlns:p="http://schemas.openxmlformats.org/presentationml/2006/main">
+  <p:cSld>
+    <p:spTree>
+      <p:nvGrpSpPr>
+        <p:cNvPr id="1" name=""/>
+        <p:cNvGrpSpPr/>
+        <p:nvPr/>
+      </p:nvGrpSpPr>
+      <p:grpSpPr>
+        <a:xfrm>
+          <a:off x="0" y="0"/>
+          <a:ext cx="0" cy="0"/>
+          <a:chOff x="0" y="0"/>
+          <a:chExt cx="0" cy="0"/>
+        </a:xfrm>
+      </p:grpSpPr>
+      <p:sp>
+        <p:nvSpPr>
+          <p:cNvPr id="2" name="Заголовок 1">
+            <a:extLst>
+              <a:ext uri="{FF2B5EF4-FFF2-40B4-BE49-F238E27FC236}">
+                <a16:creationId xmlns:a16="http://schemas.microsoft.com/office/drawing/2014/main" id="{AB16E32A-2FD0-3440-AF5D-E9F674D6693E}"/>
+              </a:ext>
+            </a:extLst>
+          </p:cNvPr>
+          <p:cNvSpPr>
+            <a:spLocks noGrp="1"/>
+          </p:cNvSpPr>
+          <p:nvPr>
+            <p:ph type="title"/>
+          </p:nvPr>
+        </p:nvSpPr>
+        <p:spPr/>
+        <p:txBody>
+          <a:bodyPr/>
+          <a:lstStyle/>
+          <a:p>
+            <a:r>
+              <a:rPr lang="ru-RU" dirty="0"/>
+              <a:t>Компетентные вопросы</a:t>
+            </a:r>
+          </a:p>
+        </p:txBody>
+      </p:sp>
+      <p:sp>
+        <p:nvSpPr>
+          <p:cNvPr id="3" name="Объект 2">
+            <a:extLst>
+              <a:ext uri="{FF2B5EF4-FFF2-40B4-BE49-F238E27FC236}">
+                <a16:creationId xmlns:a16="http://schemas.microsoft.com/office/drawing/2014/main" id="{D650EB16-BDAB-5847-B017-2F29E08123C5}"/>
+              </a:ext>
+            </a:extLst>
+          </p:cNvPr>
+          <p:cNvSpPr>
+            <a:spLocks noGrp="1"/>
+          </p:cNvSpPr>
+          <p:nvPr>
+            <p:ph idx="1"/>
+          </p:nvPr>
+        </p:nvSpPr>
+        <p:spPr/>
+        <p:txBody>
+          <a:bodyPr/>
+          <a:lstStyle/>
+          <a:p>
+            <a:pPr marL="0" indent="0">
+              <a:buNone/>
+            </a:pPr>
+            <a:r>
+              <a:rPr lang="ru-RU" dirty="0"/>
+              <a:t>Какие акции являются самыми быстрорастущими?</a:t>
+            </a:r>
+          </a:p>
+          <a:p>
+            <a:pPr marL="0" indent="0">
+              <a:buNone/>
+            </a:pPr>
+            <a:r>
+              <a:rPr lang="ru-RU" dirty="0"/>
+              <a:t>Какие финансовые инструменты стоит брать на долгий срок?</a:t>
+            </a:r>
+          </a:p>
+          <a:p>
+            <a:pPr marL="0" indent="0">
+              <a:buNone/>
+            </a:pPr>
+            <a:r>
+              <a:rPr lang="ru-RU" dirty="0"/>
+              <a:t>Вывести топ-10 компаний у которых отношение цены акции к ее выручке больше 60?</a:t>
+            </a:r>
+          </a:p>
+          <a:p>
+            <a:pPr marL="0" indent="0">
+              <a:buNone/>
+            </a:pPr>
+            <a:endParaRPr lang="ru-RU" dirty="0"/>
+          </a:p>
+        </p:txBody>
+      </p:sp>
+    </p:spTree>
+    <p:extLst>
+      <p:ext uri="{BB962C8B-B14F-4D97-AF65-F5344CB8AC3E}">
+        <p14:creationId xmlns:p14="http://schemas.microsoft.com/office/powerpoint/2010/main" val="1553768199"/>
       </p:ext>
     </p:extLst>
   </p:cSld>
